--- a/Calendario2023/presentaciones/19_Modulo_re.pptx
+++ b/Calendario2023/presentaciones/19_Modulo_re.pptx
@@ -256,7 +256,7 @@
           <a:p>
             <a:fld id="{DDE721D5-655F-45D2-B717-3C4CD78C8568}" type="datetimeFigureOut">
               <a:rPr lang="es-MX" smtClean="0"/>
-              <a:t>02/09/2022</a:t>
+              <a:t>09/03/2023</a:t>
             </a:fld>
             <a:endParaRPr lang="es-MX" dirty="0"/>
           </a:p>
@@ -4653,7 +4653,7 @@
           <a:p>
             <a:fld id="{B3F3E716-CACC-4490-AD07-F24B6A68DE47}" type="datetimeFigureOut">
               <a:rPr lang="es-MX" smtClean="0"/>
-              <a:t>02/09/2022</a:t>
+              <a:t>09/03/2023</a:t>
             </a:fld>
             <a:endParaRPr lang="es-MX" dirty="0"/>
           </a:p>
@@ -4823,7 +4823,7 @@
           <a:p>
             <a:fld id="{B3F3E716-CACC-4490-AD07-F24B6A68DE47}" type="datetimeFigureOut">
               <a:rPr lang="es-MX" smtClean="0"/>
-              <a:t>02/09/2022</a:t>
+              <a:t>09/03/2023</a:t>
             </a:fld>
             <a:endParaRPr lang="es-MX" dirty="0"/>
           </a:p>
@@ -5003,7 +5003,7 @@
           <a:p>
             <a:fld id="{B3F3E716-CACC-4490-AD07-F24B6A68DE47}" type="datetimeFigureOut">
               <a:rPr lang="es-MX" smtClean="0"/>
-              <a:t>02/09/2022</a:t>
+              <a:t>09/03/2023</a:t>
             </a:fld>
             <a:endParaRPr lang="es-MX" dirty="0"/>
           </a:p>
@@ -5156,7 +5156,7 @@
           <a:p>
             <a:fld id="{1D8BD707-D9CF-40AE-B4C6-C98DA3205C09}" type="datetimeFigureOut">
               <a:rPr lang="en-US" smtClean="0"/>
-              <a:t>9/2/2022</a:t>
+              <a:t>3/9/2023</a:t>
             </a:fld>
             <a:endParaRPr lang="en-US" dirty="0"/>
           </a:p>
@@ -5316,7 +5316,7 @@
           <a:p>
             <a:fld id="{B3F3E716-CACC-4490-AD07-F24B6A68DE47}" type="datetimeFigureOut">
               <a:rPr lang="es-MX" smtClean="0"/>
-              <a:t>02/09/2022</a:t>
+              <a:t>09/03/2023</a:t>
             </a:fld>
             <a:endParaRPr lang="es-MX" dirty="0"/>
           </a:p>
@@ -5562,7 +5562,7 @@
           <a:p>
             <a:fld id="{B3F3E716-CACC-4490-AD07-F24B6A68DE47}" type="datetimeFigureOut">
               <a:rPr lang="es-MX" smtClean="0"/>
-              <a:t>02/09/2022</a:t>
+              <a:t>09/03/2023</a:t>
             </a:fld>
             <a:endParaRPr lang="es-MX" dirty="0"/>
           </a:p>
@@ -5850,7 +5850,7 @@
           <a:p>
             <a:fld id="{B3F3E716-CACC-4490-AD07-F24B6A68DE47}" type="datetimeFigureOut">
               <a:rPr lang="es-MX" smtClean="0"/>
-              <a:t>02/09/2022</a:t>
+              <a:t>09/03/2023</a:t>
             </a:fld>
             <a:endParaRPr lang="es-MX" dirty="0"/>
           </a:p>
@@ -6272,7 +6272,7 @@
           <a:p>
             <a:fld id="{B3F3E716-CACC-4490-AD07-F24B6A68DE47}" type="datetimeFigureOut">
               <a:rPr lang="es-MX" smtClean="0"/>
-              <a:t>02/09/2022</a:t>
+              <a:t>09/03/2023</a:t>
             </a:fld>
             <a:endParaRPr lang="es-MX" dirty="0"/>
           </a:p>
@@ -6390,7 +6390,7 @@
           <a:p>
             <a:fld id="{B3F3E716-CACC-4490-AD07-F24B6A68DE47}" type="datetimeFigureOut">
               <a:rPr lang="es-MX" smtClean="0"/>
-              <a:t>02/09/2022</a:t>
+              <a:t>09/03/2023</a:t>
             </a:fld>
             <a:endParaRPr lang="es-MX" dirty="0"/>
           </a:p>
@@ -6485,7 +6485,7 @@
           <a:p>
             <a:fld id="{B3F3E716-CACC-4490-AD07-F24B6A68DE47}" type="datetimeFigureOut">
               <a:rPr lang="es-MX" smtClean="0"/>
-              <a:t>02/09/2022</a:t>
+              <a:t>09/03/2023</a:t>
             </a:fld>
             <a:endParaRPr lang="es-MX" dirty="0"/>
           </a:p>
@@ -6762,7 +6762,7 @@
           <a:p>
             <a:fld id="{B3F3E716-CACC-4490-AD07-F24B6A68DE47}" type="datetimeFigureOut">
               <a:rPr lang="es-MX" smtClean="0"/>
-              <a:t>02/09/2022</a:t>
+              <a:t>09/03/2023</a:t>
             </a:fld>
             <a:endParaRPr lang="es-MX" dirty="0"/>
           </a:p>
@@ -7015,7 +7015,7 @@
           <a:p>
             <a:fld id="{B3F3E716-CACC-4490-AD07-F24B6A68DE47}" type="datetimeFigureOut">
               <a:rPr lang="es-MX" smtClean="0"/>
-              <a:t>02/09/2022</a:t>
+              <a:t>09/03/2023</a:t>
             </a:fld>
             <a:endParaRPr lang="es-MX" dirty="0"/>
           </a:p>
@@ -7228,7 +7228,7 @@
           <a:p>
             <a:fld id="{B3F3E716-CACC-4490-AD07-F24B6A68DE47}" type="datetimeFigureOut">
               <a:rPr lang="es-MX" smtClean="0"/>
-              <a:t>02/09/2022</a:t>
+              <a:t>09/03/2023</a:t>
             </a:fld>
             <a:endParaRPr lang="es-MX" dirty="0"/>
           </a:p>
@@ -19596,115 +19596,12 @@
           <a:chExt cx="0" cy="0"/>
         </a:xfrm>
       </p:grpSpPr>
-      <p:sp>
-        <p:nvSpPr>
-          <p:cNvPr id="184324" name="Rectangle 4"/>
-          <p:cNvSpPr>
-            <a:spLocks noGrp="1" noChangeArrowheads="1"/>
-          </p:cNvSpPr>
-          <p:nvPr>
-            <p:ph type="title"/>
-          </p:nvPr>
-        </p:nvSpPr>
-        <p:spPr>
-          <a:xfrm>
-            <a:off x="107504" y="116632"/>
-            <a:ext cx="8579296" cy="1143000"/>
-          </a:xfrm>
-        </p:spPr>
-        <p:txBody>
-          <a:bodyPr>
-            <a:normAutofit/>
-          </a:bodyPr>
-          <a:lstStyle/>
-          <a:p>
-            <a:pPr eaLnBrk="1" hangingPunct="1">
-              <a:defRPr/>
-            </a:pPr>
-            <a:r>
-              <a:rPr lang="es-MX" b="1" dirty="0">
-                <a:solidFill>
-                  <a:schemeClr val="accent4">
-                    <a:lumMod val="50000"/>
-                  </a:schemeClr>
-                </a:solidFill>
-                <a:effectLst>
-                  <a:outerShdw blurRad="38100" dist="38100" dir="2700000" algn="tl">
-                    <a:srgbClr val="C0C0C0"/>
-                  </a:outerShdw>
-                </a:effectLst>
-                <a:latin typeface="Dom Casual" charset="0"/>
-              </a:rPr>
-              <a:t>Ejercicio</a:t>
-            </a:r>
-          </a:p>
-        </p:txBody>
-      </p:sp>
-      <p:sp>
-        <p:nvSpPr>
-          <p:cNvPr id="9" name="CuadroTexto 8">
+      <p:pic>
+        <p:nvPicPr>
+          <p:cNvPr id="4" name="Imagen 3">
             <a:extLst>
               <a:ext uri="{FF2B5EF4-FFF2-40B4-BE49-F238E27FC236}">
-                <a16:creationId xmlns:a16="http://schemas.microsoft.com/office/drawing/2014/main" id="{E9FACE5D-9900-46A2-9420-5388E042012D}"/>
-              </a:ext>
-            </a:extLst>
-          </p:cNvPr>
-          <p:cNvSpPr txBox="1"/>
-          <p:nvPr/>
-        </p:nvSpPr>
-        <p:spPr>
-          <a:xfrm>
-            <a:off x="1115616" y="1000107"/>
-            <a:ext cx="6624736" cy="393698"/>
-          </a:xfrm>
-          <a:prstGeom prst="rect">
-            <a:avLst/>
-          </a:prstGeom>
-          <a:noFill/>
-        </p:spPr>
-        <p:txBody>
-          <a:bodyPr wrap="square">
-            <a:spAutoFit/>
-          </a:bodyPr>
-          <a:lstStyle/>
-          <a:p>
-            <a:pPr algn="ctr" fontAlgn="base">
-              <a:lnSpc>
-                <a:spcPts val="2500"/>
-              </a:lnSpc>
-              <a:spcAft>
-                <a:spcPts val="600"/>
-              </a:spcAft>
-            </a:pPr>
-            <a:r>
-              <a:rPr lang="es-ES" b="1" dirty="0">
-                <a:solidFill>
-                  <a:schemeClr val="accent6">
-                    <a:lumMod val="75000"/>
-                  </a:schemeClr>
-                </a:solidFill>
-                <a:latin typeface="inherit"/>
-              </a:rPr>
-              <a:t>Encontrar puntuaciones</a:t>
-            </a:r>
-            <a:endParaRPr lang="es-ES" b="1" i="0" dirty="0">
-              <a:solidFill>
-                <a:schemeClr val="accent6">
-                  <a:lumMod val="75000"/>
-                </a:schemeClr>
-              </a:solidFill>
-              <a:effectLst/>
-              <a:latin typeface="inherit"/>
-            </a:endParaRPr>
-          </a:p>
-        </p:txBody>
-      </p:sp>
-      <p:pic>
-        <p:nvPicPr>
-          <p:cNvPr id="3" name="Imagen 2">
-            <a:extLst>
-              <a:ext uri="{FF2B5EF4-FFF2-40B4-BE49-F238E27FC236}">
-                <a16:creationId xmlns:a16="http://schemas.microsoft.com/office/drawing/2014/main" id="{CC807647-4B7C-4F7F-A10F-208361849D40}"/>
+                <a16:creationId xmlns:a16="http://schemas.microsoft.com/office/drawing/2014/main" id="{79573BAB-42E1-0167-AC1B-ED1685C4DCDC}"/>
               </a:ext>
             </a:extLst>
           </p:cNvPr>
@@ -19721,14 +19618,117 @@
         </p:blipFill>
         <p:spPr>
           <a:xfrm>
-            <a:off x="467544" y="3392880"/>
-            <a:ext cx="6419530" cy="2448272"/>
+            <a:off x="407863" y="3203973"/>
+            <a:ext cx="7762875" cy="3200400"/>
           </a:xfrm>
           <a:prstGeom prst="rect">
             <a:avLst/>
           </a:prstGeom>
         </p:spPr>
       </p:pic>
+      <p:sp>
+        <p:nvSpPr>
+          <p:cNvPr id="184324" name="Rectangle 4"/>
+          <p:cNvSpPr>
+            <a:spLocks noGrp="1" noChangeArrowheads="1"/>
+          </p:cNvSpPr>
+          <p:nvPr>
+            <p:ph type="title"/>
+          </p:nvPr>
+        </p:nvSpPr>
+        <p:spPr>
+          <a:xfrm>
+            <a:off x="107504" y="116632"/>
+            <a:ext cx="8579296" cy="1143000"/>
+          </a:xfrm>
+        </p:spPr>
+        <p:txBody>
+          <a:bodyPr>
+            <a:normAutofit/>
+          </a:bodyPr>
+          <a:lstStyle/>
+          <a:p>
+            <a:pPr eaLnBrk="1" hangingPunct="1">
+              <a:defRPr/>
+            </a:pPr>
+            <a:r>
+              <a:rPr lang="es-MX" b="1" dirty="0">
+                <a:solidFill>
+                  <a:schemeClr val="accent4">
+                    <a:lumMod val="50000"/>
+                  </a:schemeClr>
+                </a:solidFill>
+                <a:effectLst>
+                  <a:outerShdw blurRad="38100" dist="38100" dir="2700000" algn="tl">
+                    <a:srgbClr val="C0C0C0"/>
+                  </a:outerShdw>
+                </a:effectLst>
+                <a:latin typeface="Dom Casual" charset="0"/>
+              </a:rPr>
+              <a:t>Ejercicio</a:t>
+            </a:r>
+          </a:p>
+        </p:txBody>
+      </p:sp>
+      <p:sp>
+        <p:nvSpPr>
+          <p:cNvPr id="9" name="CuadroTexto 8">
+            <a:extLst>
+              <a:ext uri="{FF2B5EF4-FFF2-40B4-BE49-F238E27FC236}">
+                <a16:creationId xmlns:a16="http://schemas.microsoft.com/office/drawing/2014/main" id="{E9FACE5D-9900-46A2-9420-5388E042012D}"/>
+              </a:ext>
+            </a:extLst>
+          </p:cNvPr>
+          <p:cNvSpPr txBox="1"/>
+          <p:nvPr/>
+        </p:nvSpPr>
+        <p:spPr>
+          <a:xfrm>
+            <a:off x="1115616" y="1000107"/>
+            <a:ext cx="6624736" cy="393698"/>
+          </a:xfrm>
+          <a:prstGeom prst="rect">
+            <a:avLst/>
+          </a:prstGeom>
+          <a:noFill/>
+        </p:spPr>
+        <p:txBody>
+          <a:bodyPr wrap="square">
+            <a:spAutoFit/>
+          </a:bodyPr>
+          <a:lstStyle/>
+          <a:p>
+            <a:pPr algn="ctr" fontAlgn="base">
+              <a:lnSpc>
+                <a:spcPts val="2500"/>
+              </a:lnSpc>
+              <a:spcAft>
+                <a:spcPts val="600"/>
+              </a:spcAft>
+            </a:pPr>
+            <a:r>
+              <a:rPr lang="es-ES" b="1" dirty="0">
+                <a:solidFill>
+                  <a:schemeClr val="accent6">
+                    <a:lumMod val="75000"/>
+                  </a:schemeClr>
+                </a:solidFill>
+                <a:latin typeface="inherit"/>
+              </a:rPr>
+              <a:t>Encontrar puntuaciones</a:t>
+            </a:r>
+            <a:endParaRPr lang="es-ES" b="1" i="0" dirty="0">
+              <a:solidFill>
+                <a:schemeClr val="accent6">
+                  <a:lumMod val="75000"/>
+                </a:schemeClr>
+              </a:solidFill>
+              <a:effectLst/>
+              <a:latin typeface="inherit"/>
+            </a:endParaRPr>
+          </a:p>
+        </p:txBody>
+      </p:sp>
       <p:sp>
         <p:nvSpPr>
           <p:cNvPr id="8" name="CuadroTexto 7">
